--- a/ppt 16-9/0599.我稣爱你，主耶.pptx
+++ b/ppt 16-9/0599.我稣爱你，主耶.pptx
@@ -129,7 +129,7 @@
           <p:cNvPr id="2" name="标题 1">
             <a:extLst>
               <a:ext uri="{FF2B5EF4-FFF2-40B4-BE49-F238E27FC236}">
-                <a16:creationId xmlns:a16="http://schemas.microsoft.com/office/drawing/2014/main" id="{772892E1-33C0-E52F-9A74-A79B15366F24}"/>
+                <a16:creationId xmlns:a16="http://schemas.microsoft.com/office/drawing/2014/main" id="{DA7446CE-7B43-25C1-6EAD-5F8BD25D1690}"/>
               </a:ext>
             </a:extLst>
           </p:cNvPr>
@@ -166,7 +166,7 @@
           <p:cNvPr id="3" name="副标题 2">
             <a:extLst>
               <a:ext uri="{FF2B5EF4-FFF2-40B4-BE49-F238E27FC236}">
-                <a16:creationId xmlns:a16="http://schemas.microsoft.com/office/drawing/2014/main" id="{5F78D5FA-2A89-0D1E-C622-0B84B1594A49}"/>
+                <a16:creationId xmlns:a16="http://schemas.microsoft.com/office/drawing/2014/main" id="{EACC7D33-3B2E-F7CE-69F3-4BA516EE007C}"/>
               </a:ext>
             </a:extLst>
           </p:cNvPr>
@@ -236,7 +236,7 @@
           <p:cNvPr id="4" name="日期占位符 3">
             <a:extLst>
               <a:ext uri="{FF2B5EF4-FFF2-40B4-BE49-F238E27FC236}">
-                <a16:creationId xmlns:a16="http://schemas.microsoft.com/office/drawing/2014/main" id="{BCA1FAB0-3018-AD99-240B-97B0829D0DE1}"/>
+                <a16:creationId xmlns:a16="http://schemas.microsoft.com/office/drawing/2014/main" id="{BB9EED8F-5859-0164-81E5-D7F81A0E4BC1}"/>
               </a:ext>
             </a:extLst>
           </p:cNvPr>
@@ -252,7 +252,7 @@
           <a:bodyPr/>
           <a:lstStyle/>
           <a:p>
-            <a:fld id="{AE184F3E-B7D2-43F8-B819-A847AEAAF955}" type="datetimeFigureOut">
+            <a:fld id="{24097BBA-EED5-42C4-9771-B4D92887612F}" type="datetimeFigureOut">
               <a:rPr lang="zh-CN" altLang="en-US" smtClean="0"/>
               <a:t>2024/3/10</a:t>
             </a:fld>
@@ -265,7 +265,7 @@
           <p:cNvPr id="5" name="页脚占位符 4">
             <a:extLst>
               <a:ext uri="{FF2B5EF4-FFF2-40B4-BE49-F238E27FC236}">
-                <a16:creationId xmlns:a16="http://schemas.microsoft.com/office/drawing/2014/main" id="{DFE89A47-BF34-CD92-EA18-CFB5F66598BC}"/>
+                <a16:creationId xmlns:a16="http://schemas.microsoft.com/office/drawing/2014/main" id="{04984946-E771-A3D5-BBD4-8E8203190F5A}"/>
               </a:ext>
             </a:extLst>
           </p:cNvPr>
@@ -290,7 +290,7 @@
           <p:cNvPr id="6" name="灯片编号占位符 5">
             <a:extLst>
               <a:ext uri="{FF2B5EF4-FFF2-40B4-BE49-F238E27FC236}">
-                <a16:creationId xmlns:a16="http://schemas.microsoft.com/office/drawing/2014/main" id="{CFC44EC3-8ED6-CEE2-5F64-E35AC751A9E2}"/>
+                <a16:creationId xmlns:a16="http://schemas.microsoft.com/office/drawing/2014/main" id="{02B8AEBC-323A-C515-CB50-B4F9A0E8D25A}"/>
               </a:ext>
             </a:extLst>
           </p:cNvPr>
@@ -306,7 +306,7 @@
           <a:bodyPr/>
           <a:lstStyle/>
           <a:p>
-            <a:fld id="{205B525F-384F-4E9D-B8EB-CBD2D49169E2}" type="slidenum">
+            <a:fld id="{F316567B-BA34-4F8D-95A2-A5758BAFEE73}" type="slidenum">
               <a:rPr lang="zh-CN" altLang="en-US" smtClean="0"/>
               <a:t>‹#›</a:t>
             </a:fld>
@@ -317,7 +317,7 @@
     </p:spTree>
     <p:extLst>
       <p:ext uri="{BB962C8B-B14F-4D97-AF65-F5344CB8AC3E}">
-        <p14:creationId xmlns:p14="http://schemas.microsoft.com/office/powerpoint/2010/main" val="3102126886"/>
+        <p14:creationId xmlns:p14="http://schemas.microsoft.com/office/powerpoint/2010/main" val="2844119530"/>
       </p:ext>
     </p:extLst>
   </p:cSld>
@@ -349,7 +349,7 @@
           <p:cNvPr id="2" name="标题 1">
             <a:extLst>
               <a:ext uri="{FF2B5EF4-FFF2-40B4-BE49-F238E27FC236}">
-                <a16:creationId xmlns:a16="http://schemas.microsoft.com/office/drawing/2014/main" id="{3EAE596F-78A4-27C9-8B55-6F3C1E7C36D8}"/>
+                <a16:creationId xmlns:a16="http://schemas.microsoft.com/office/drawing/2014/main" id="{9186585B-26F8-6B61-548E-53DA0F98FB9C}"/>
               </a:ext>
             </a:extLst>
           </p:cNvPr>
@@ -377,7 +377,7 @@
           <p:cNvPr id="3" name="竖排文字占位符 2">
             <a:extLst>
               <a:ext uri="{FF2B5EF4-FFF2-40B4-BE49-F238E27FC236}">
-                <a16:creationId xmlns:a16="http://schemas.microsoft.com/office/drawing/2014/main" id="{8ECA2B42-E62B-82F4-9CD1-27890BF32D36}"/>
+                <a16:creationId xmlns:a16="http://schemas.microsoft.com/office/drawing/2014/main" id="{071062D3-D9B1-46C0-F1A6-5F542C795212}"/>
               </a:ext>
             </a:extLst>
           </p:cNvPr>
@@ -434,7 +434,7 @@
           <p:cNvPr id="4" name="日期占位符 3">
             <a:extLst>
               <a:ext uri="{FF2B5EF4-FFF2-40B4-BE49-F238E27FC236}">
-                <a16:creationId xmlns:a16="http://schemas.microsoft.com/office/drawing/2014/main" id="{D191460F-96AD-B2AA-A777-93D2E2AA7435}"/>
+                <a16:creationId xmlns:a16="http://schemas.microsoft.com/office/drawing/2014/main" id="{7FD7753F-B727-5848-A5D5-C6E974A3702C}"/>
               </a:ext>
             </a:extLst>
           </p:cNvPr>
@@ -450,7 +450,7 @@
           <a:bodyPr/>
           <a:lstStyle/>
           <a:p>
-            <a:fld id="{AE184F3E-B7D2-43F8-B819-A847AEAAF955}" type="datetimeFigureOut">
+            <a:fld id="{24097BBA-EED5-42C4-9771-B4D92887612F}" type="datetimeFigureOut">
               <a:rPr lang="zh-CN" altLang="en-US" smtClean="0"/>
               <a:t>2024/3/10</a:t>
             </a:fld>
@@ -463,7 +463,7 @@
           <p:cNvPr id="5" name="页脚占位符 4">
             <a:extLst>
               <a:ext uri="{FF2B5EF4-FFF2-40B4-BE49-F238E27FC236}">
-                <a16:creationId xmlns:a16="http://schemas.microsoft.com/office/drawing/2014/main" id="{D88EAB71-3504-27EE-59C7-D1E84A4F5047}"/>
+                <a16:creationId xmlns:a16="http://schemas.microsoft.com/office/drawing/2014/main" id="{1594DAFD-CD87-0B3B-DA7F-AB9B05B37D79}"/>
               </a:ext>
             </a:extLst>
           </p:cNvPr>
@@ -488,7 +488,7 @@
           <p:cNvPr id="6" name="灯片编号占位符 5">
             <a:extLst>
               <a:ext uri="{FF2B5EF4-FFF2-40B4-BE49-F238E27FC236}">
-                <a16:creationId xmlns:a16="http://schemas.microsoft.com/office/drawing/2014/main" id="{A83D9082-D38D-440E-0C88-E98BE569A86D}"/>
+                <a16:creationId xmlns:a16="http://schemas.microsoft.com/office/drawing/2014/main" id="{586B56E4-0199-1008-0F03-FF873DD303A5}"/>
               </a:ext>
             </a:extLst>
           </p:cNvPr>
@@ -504,7 +504,7 @@
           <a:bodyPr/>
           <a:lstStyle/>
           <a:p>
-            <a:fld id="{205B525F-384F-4E9D-B8EB-CBD2D49169E2}" type="slidenum">
+            <a:fld id="{F316567B-BA34-4F8D-95A2-A5758BAFEE73}" type="slidenum">
               <a:rPr lang="zh-CN" altLang="en-US" smtClean="0"/>
               <a:t>‹#›</a:t>
             </a:fld>
@@ -515,7 +515,7 @@
     </p:spTree>
     <p:extLst>
       <p:ext uri="{BB962C8B-B14F-4D97-AF65-F5344CB8AC3E}">
-        <p14:creationId xmlns:p14="http://schemas.microsoft.com/office/powerpoint/2010/main" val="270265413"/>
+        <p14:creationId xmlns:p14="http://schemas.microsoft.com/office/powerpoint/2010/main" val="3612864252"/>
       </p:ext>
     </p:extLst>
   </p:cSld>
@@ -547,7 +547,7 @@
           <p:cNvPr id="2" name="竖排标题 1">
             <a:extLst>
               <a:ext uri="{FF2B5EF4-FFF2-40B4-BE49-F238E27FC236}">
-                <a16:creationId xmlns:a16="http://schemas.microsoft.com/office/drawing/2014/main" id="{DD52B962-7166-C9EA-2FE0-334F1D8B69DA}"/>
+                <a16:creationId xmlns:a16="http://schemas.microsoft.com/office/drawing/2014/main" id="{39691C5C-5580-AF4F-CAFB-222146D920BF}"/>
               </a:ext>
             </a:extLst>
           </p:cNvPr>
@@ -580,7 +580,7 @@
           <p:cNvPr id="3" name="竖排文字占位符 2">
             <a:extLst>
               <a:ext uri="{FF2B5EF4-FFF2-40B4-BE49-F238E27FC236}">
-                <a16:creationId xmlns:a16="http://schemas.microsoft.com/office/drawing/2014/main" id="{E85D5862-AC0F-AF61-4C20-E60E09D3103E}"/>
+                <a16:creationId xmlns:a16="http://schemas.microsoft.com/office/drawing/2014/main" id="{19408593-9C57-0337-72C0-B9A317F4BEE2}"/>
               </a:ext>
             </a:extLst>
           </p:cNvPr>
@@ -642,7 +642,7 @@
           <p:cNvPr id="4" name="日期占位符 3">
             <a:extLst>
               <a:ext uri="{FF2B5EF4-FFF2-40B4-BE49-F238E27FC236}">
-                <a16:creationId xmlns:a16="http://schemas.microsoft.com/office/drawing/2014/main" id="{8B74B083-2353-DED5-3A0F-085A751C4DB1}"/>
+                <a16:creationId xmlns:a16="http://schemas.microsoft.com/office/drawing/2014/main" id="{81CA7BC9-7BCB-51EE-1270-9198617EBE73}"/>
               </a:ext>
             </a:extLst>
           </p:cNvPr>
@@ -658,7 +658,7 @@
           <a:bodyPr/>
           <a:lstStyle/>
           <a:p>
-            <a:fld id="{AE184F3E-B7D2-43F8-B819-A847AEAAF955}" type="datetimeFigureOut">
+            <a:fld id="{24097BBA-EED5-42C4-9771-B4D92887612F}" type="datetimeFigureOut">
               <a:rPr lang="zh-CN" altLang="en-US" smtClean="0"/>
               <a:t>2024/3/10</a:t>
             </a:fld>
@@ -671,7 +671,7 @@
           <p:cNvPr id="5" name="页脚占位符 4">
             <a:extLst>
               <a:ext uri="{FF2B5EF4-FFF2-40B4-BE49-F238E27FC236}">
-                <a16:creationId xmlns:a16="http://schemas.microsoft.com/office/drawing/2014/main" id="{3486BF1F-C625-ED92-D2D8-275416879A81}"/>
+                <a16:creationId xmlns:a16="http://schemas.microsoft.com/office/drawing/2014/main" id="{3603AD2F-194C-F1E3-4803-F50E630499C5}"/>
               </a:ext>
             </a:extLst>
           </p:cNvPr>
@@ -696,7 +696,7 @@
           <p:cNvPr id="6" name="灯片编号占位符 5">
             <a:extLst>
               <a:ext uri="{FF2B5EF4-FFF2-40B4-BE49-F238E27FC236}">
-                <a16:creationId xmlns:a16="http://schemas.microsoft.com/office/drawing/2014/main" id="{45125B9E-F309-073E-6A8A-357E5EF21DFE}"/>
+                <a16:creationId xmlns:a16="http://schemas.microsoft.com/office/drawing/2014/main" id="{62F20E7D-6BD7-6C18-9AED-AF6B3DF79DC0}"/>
               </a:ext>
             </a:extLst>
           </p:cNvPr>
@@ -712,7 +712,7 @@
           <a:bodyPr/>
           <a:lstStyle/>
           <a:p>
-            <a:fld id="{205B525F-384F-4E9D-B8EB-CBD2D49169E2}" type="slidenum">
+            <a:fld id="{F316567B-BA34-4F8D-95A2-A5758BAFEE73}" type="slidenum">
               <a:rPr lang="zh-CN" altLang="en-US" smtClean="0"/>
               <a:t>‹#›</a:t>
             </a:fld>
@@ -723,7 +723,7 @@
     </p:spTree>
     <p:extLst>
       <p:ext uri="{BB962C8B-B14F-4D97-AF65-F5344CB8AC3E}">
-        <p14:creationId xmlns:p14="http://schemas.microsoft.com/office/powerpoint/2010/main" val="2324275858"/>
+        <p14:creationId xmlns:p14="http://schemas.microsoft.com/office/powerpoint/2010/main" val="625105777"/>
       </p:ext>
     </p:extLst>
   </p:cSld>
@@ -755,7 +755,7 @@
           <p:cNvPr id="2" name="标题 1">
             <a:extLst>
               <a:ext uri="{FF2B5EF4-FFF2-40B4-BE49-F238E27FC236}">
-                <a16:creationId xmlns:a16="http://schemas.microsoft.com/office/drawing/2014/main" id="{A13EC4B7-47B0-C7D7-CB77-63B8C673DE29}"/>
+                <a16:creationId xmlns:a16="http://schemas.microsoft.com/office/drawing/2014/main" id="{5BBAEE43-4000-B519-3373-88C62B0AEC25}"/>
               </a:ext>
             </a:extLst>
           </p:cNvPr>
@@ -783,7 +783,7 @@
           <p:cNvPr id="3" name="内容占位符 2">
             <a:extLst>
               <a:ext uri="{FF2B5EF4-FFF2-40B4-BE49-F238E27FC236}">
-                <a16:creationId xmlns:a16="http://schemas.microsoft.com/office/drawing/2014/main" id="{B365FFA3-707E-71D4-34CB-713F7679B3C6}"/>
+                <a16:creationId xmlns:a16="http://schemas.microsoft.com/office/drawing/2014/main" id="{4ECD6542-91B3-2DB9-A1B9-B915AB4F0579}"/>
               </a:ext>
             </a:extLst>
           </p:cNvPr>
@@ -840,7 +840,7 @@
           <p:cNvPr id="4" name="日期占位符 3">
             <a:extLst>
               <a:ext uri="{FF2B5EF4-FFF2-40B4-BE49-F238E27FC236}">
-                <a16:creationId xmlns:a16="http://schemas.microsoft.com/office/drawing/2014/main" id="{1441891E-66D4-7F4D-574B-4304C2DC27EE}"/>
+                <a16:creationId xmlns:a16="http://schemas.microsoft.com/office/drawing/2014/main" id="{4D978E8B-E085-A822-1475-BD39AF151C2F}"/>
               </a:ext>
             </a:extLst>
           </p:cNvPr>
@@ -856,7 +856,7 @@
           <a:bodyPr/>
           <a:lstStyle/>
           <a:p>
-            <a:fld id="{AE184F3E-B7D2-43F8-B819-A847AEAAF955}" type="datetimeFigureOut">
+            <a:fld id="{24097BBA-EED5-42C4-9771-B4D92887612F}" type="datetimeFigureOut">
               <a:rPr lang="zh-CN" altLang="en-US" smtClean="0"/>
               <a:t>2024/3/10</a:t>
             </a:fld>
@@ -869,7 +869,7 @@
           <p:cNvPr id="5" name="页脚占位符 4">
             <a:extLst>
               <a:ext uri="{FF2B5EF4-FFF2-40B4-BE49-F238E27FC236}">
-                <a16:creationId xmlns:a16="http://schemas.microsoft.com/office/drawing/2014/main" id="{68BF32F4-658A-E10F-C2B0-986A06AAC299}"/>
+                <a16:creationId xmlns:a16="http://schemas.microsoft.com/office/drawing/2014/main" id="{94A6B8FD-B8CE-336C-6541-89E9E1A0B35A}"/>
               </a:ext>
             </a:extLst>
           </p:cNvPr>
@@ -894,7 +894,7 @@
           <p:cNvPr id="6" name="灯片编号占位符 5">
             <a:extLst>
               <a:ext uri="{FF2B5EF4-FFF2-40B4-BE49-F238E27FC236}">
-                <a16:creationId xmlns:a16="http://schemas.microsoft.com/office/drawing/2014/main" id="{780776E3-A885-F6D6-D9E5-F93C2150E33D}"/>
+                <a16:creationId xmlns:a16="http://schemas.microsoft.com/office/drawing/2014/main" id="{C276AC0A-DCF8-E41C-B6A7-C49C5AF74DE9}"/>
               </a:ext>
             </a:extLst>
           </p:cNvPr>
@@ -910,7 +910,7 @@
           <a:bodyPr/>
           <a:lstStyle/>
           <a:p>
-            <a:fld id="{205B525F-384F-4E9D-B8EB-CBD2D49169E2}" type="slidenum">
+            <a:fld id="{F316567B-BA34-4F8D-95A2-A5758BAFEE73}" type="slidenum">
               <a:rPr lang="zh-CN" altLang="en-US" smtClean="0"/>
               <a:t>‹#›</a:t>
             </a:fld>
@@ -921,7 +921,7 @@
     </p:spTree>
     <p:extLst>
       <p:ext uri="{BB962C8B-B14F-4D97-AF65-F5344CB8AC3E}">
-        <p14:creationId xmlns:p14="http://schemas.microsoft.com/office/powerpoint/2010/main" val="4229781043"/>
+        <p14:creationId xmlns:p14="http://schemas.microsoft.com/office/powerpoint/2010/main" val="2113594332"/>
       </p:ext>
     </p:extLst>
   </p:cSld>
@@ -953,7 +953,7 @@
           <p:cNvPr id="2" name="标题 1">
             <a:extLst>
               <a:ext uri="{FF2B5EF4-FFF2-40B4-BE49-F238E27FC236}">
-                <a16:creationId xmlns:a16="http://schemas.microsoft.com/office/drawing/2014/main" id="{FF8D023A-8818-27AF-B67F-6F224FEA28E9}"/>
+                <a16:creationId xmlns:a16="http://schemas.microsoft.com/office/drawing/2014/main" id="{19F6817B-49F0-BBAD-A630-68D000E8DAC2}"/>
               </a:ext>
             </a:extLst>
           </p:cNvPr>
@@ -990,7 +990,7 @@
           <p:cNvPr id="3" name="文本占位符 2">
             <a:extLst>
               <a:ext uri="{FF2B5EF4-FFF2-40B4-BE49-F238E27FC236}">
-                <a16:creationId xmlns:a16="http://schemas.microsoft.com/office/drawing/2014/main" id="{B9509CC1-3837-2FFB-0C56-CE005BC41685}"/>
+                <a16:creationId xmlns:a16="http://schemas.microsoft.com/office/drawing/2014/main" id="{1EF28E00-86D2-F823-14F1-64AA3DC917C5}"/>
               </a:ext>
             </a:extLst>
           </p:cNvPr>
@@ -1115,7 +1115,7 @@
           <p:cNvPr id="4" name="日期占位符 3">
             <a:extLst>
               <a:ext uri="{FF2B5EF4-FFF2-40B4-BE49-F238E27FC236}">
-                <a16:creationId xmlns:a16="http://schemas.microsoft.com/office/drawing/2014/main" id="{03074D2F-BC48-015D-8A21-0F3BC9C60267}"/>
+                <a16:creationId xmlns:a16="http://schemas.microsoft.com/office/drawing/2014/main" id="{9B15B6C5-E7C5-E9A5-C6FD-2DE0A0719AA9}"/>
               </a:ext>
             </a:extLst>
           </p:cNvPr>
@@ -1131,7 +1131,7 @@
           <a:bodyPr/>
           <a:lstStyle/>
           <a:p>
-            <a:fld id="{AE184F3E-B7D2-43F8-B819-A847AEAAF955}" type="datetimeFigureOut">
+            <a:fld id="{24097BBA-EED5-42C4-9771-B4D92887612F}" type="datetimeFigureOut">
               <a:rPr lang="zh-CN" altLang="en-US" smtClean="0"/>
               <a:t>2024/3/10</a:t>
             </a:fld>
@@ -1144,7 +1144,7 @@
           <p:cNvPr id="5" name="页脚占位符 4">
             <a:extLst>
               <a:ext uri="{FF2B5EF4-FFF2-40B4-BE49-F238E27FC236}">
-                <a16:creationId xmlns:a16="http://schemas.microsoft.com/office/drawing/2014/main" id="{9E1DE9FC-8EDE-308A-1E9C-38E47520D1D6}"/>
+                <a16:creationId xmlns:a16="http://schemas.microsoft.com/office/drawing/2014/main" id="{199E91B7-629D-F704-1532-6DC155936D94}"/>
               </a:ext>
             </a:extLst>
           </p:cNvPr>
@@ -1169,7 +1169,7 @@
           <p:cNvPr id="6" name="灯片编号占位符 5">
             <a:extLst>
               <a:ext uri="{FF2B5EF4-FFF2-40B4-BE49-F238E27FC236}">
-                <a16:creationId xmlns:a16="http://schemas.microsoft.com/office/drawing/2014/main" id="{7767AB99-9C18-F743-EDBE-6D4765DE8B98}"/>
+                <a16:creationId xmlns:a16="http://schemas.microsoft.com/office/drawing/2014/main" id="{5846550B-FE64-0D0A-4AAD-BF7140DAE0BE}"/>
               </a:ext>
             </a:extLst>
           </p:cNvPr>
@@ -1185,7 +1185,7 @@
           <a:bodyPr/>
           <a:lstStyle/>
           <a:p>
-            <a:fld id="{205B525F-384F-4E9D-B8EB-CBD2D49169E2}" type="slidenum">
+            <a:fld id="{F316567B-BA34-4F8D-95A2-A5758BAFEE73}" type="slidenum">
               <a:rPr lang="zh-CN" altLang="en-US" smtClean="0"/>
               <a:t>‹#›</a:t>
             </a:fld>
@@ -1196,7 +1196,7 @@
     </p:spTree>
     <p:extLst>
       <p:ext uri="{BB962C8B-B14F-4D97-AF65-F5344CB8AC3E}">
-        <p14:creationId xmlns:p14="http://schemas.microsoft.com/office/powerpoint/2010/main" val="503325695"/>
+        <p14:creationId xmlns:p14="http://schemas.microsoft.com/office/powerpoint/2010/main" val="94062643"/>
       </p:ext>
     </p:extLst>
   </p:cSld>
@@ -1228,7 +1228,7 @@
           <p:cNvPr id="2" name="标题 1">
             <a:extLst>
               <a:ext uri="{FF2B5EF4-FFF2-40B4-BE49-F238E27FC236}">
-                <a16:creationId xmlns:a16="http://schemas.microsoft.com/office/drawing/2014/main" id="{C00602FE-2AED-E5C4-754C-D228FDEC06BF}"/>
+                <a16:creationId xmlns:a16="http://schemas.microsoft.com/office/drawing/2014/main" id="{46C4645E-D422-775A-56A9-904A70F5CF9E}"/>
               </a:ext>
             </a:extLst>
           </p:cNvPr>
@@ -1256,7 +1256,7 @@
           <p:cNvPr id="3" name="内容占位符 2">
             <a:extLst>
               <a:ext uri="{FF2B5EF4-FFF2-40B4-BE49-F238E27FC236}">
-                <a16:creationId xmlns:a16="http://schemas.microsoft.com/office/drawing/2014/main" id="{E96E8ADC-58F0-409D-1C3D-3173D185E944}"/>
+                <a16:creationId xmlns:a16="http://schemas.microsoft.com/office/drawing/2014/main" id="{082DF8C9-A4B0-A202-0475-509832A96782}"/>
               </a:ext>
             </a:extLst>
           </p:cNvPr>
@@ -1318,7 +1318,7 @@
           <p:cNvPr id="4" name="内容占位符 3">
             <a:extLst>
               <a:ext uri="{FF2B5EF4-FFF2-40B4-BE49-F238E27FC236}">
-                <a16:creationId xmlns:a16="http://schemas.microsoft.com/office/drawing/2014/main" id="{F4C5D532-1217-40CD-86B5-E3D2AD217DD9}"/>
+                <a16:creationId xmlns:a16="http://schemas.microsoft.com/office/drawing/2014/main" id="{75043B2E-E7A6-7E19-4AAE-1BB46FE30CE9}"/>
               </a:ext>
             </a:extLst>
           </p:cNvPr>
@@ -1380,7 +1380,7 @@
           <p:cNvPr id="5" name="日期占位符 4">
             <a:extLst>
               <a:ext uri="{FF2B5EF4-FFF2-40B4-BE49-F238E27FC236}">
-                <a16:creationId xmlns:a16="http://schemas.microsoft.com/office/drawing/2014/main" id="{F100C753-A9C2-F6E6-C669-19F6BAA27492}"/>
+                <a16:creationId xmlns:a16="http://schemas.microsoft.com/office/drawing/2014/main" id="{9B406661-CF14-31F9-9060-046151028A21}"/>
               </a:ext>
             </a:extLst>
           </p:cNvPr>
@@ -1396,7 +1396,7 @@
           <a:bodyPr/>
           <a:lstStyle/>
           <a:p>
-            <a:fld id="{AE184F3E-B7D2-43F8-B819-A847AEAAF955}" type="datetimeFigureOut">
+            <a:fld id="{24097BBA-EED5-42C4-9771-B4D92887612F}" type="datetimeFigureOut">
               <a:rPr lang="zh-CN" altLang="en-US" smtClean="0"/>
               <a:t>2024/3/10</a:t>
             </a:fld>
@@ -1409,7 +1409,7 @@
           <p:cNvPr id="6" name="页脚占位符 5">
             <a:extLst>
               <a:ext uri="{FF2B5EF4-FFF2-40B4-BE49-F238E27FC236}">
-                <a16:creationId xmlns:a16="http://schemas.microsoft.com/office/drawing/2014/main" id="{F1049BEE-AA85-1826-F912-6BCA4AF9CE30}"/>
+                <a16:creationId xmlns:a16="http://schemas.microsoft.com/office/drawing/2014/main" id="{5AE92D1D-97A9-2779-7D2B-2420FF68D6D0}"/>
               </a:ext>
             </a:extLst>
           </p:cNvPr>
@@ -1434,7 +1434,7 @@
           <p:cNvPr id="7" name="灯片编号占位符 6">
             <a:extLst>
               <a:ext uri="{FF2B5EF4-FFF2-40B4-BE49-F238E27FC236}">
-                <a16:creationId xmlns:a16="http://schemas.microsoft.com/office/drawing/2014/main" id="{C67762AD-53EC-1A52-9C15-841AC818233B}"/>
+                <a16:creationId xmlns:a16="http://schemas.microsoft.com/office/drawing/2014/main" id="{D91B611D-2A4F-EBF8-DEFB-B358AAA485DA}"/>
               </a:ext>
             </a:extLst>
           </p:cNvPr>
@@ -1450,7 +1450,7 @@
           <a:bodyPr/>
           <a:lstStyle/>
           <a:p>
-            <a:fld id="{205B525F-384F-4E9D-B8EB-CBD2D49169E2}" type="slidenum">
+            <a:fld id="{F316567B-BA34-4F8D-95A2-A5758BAFEE73}" type="slidenum">
               <a:rPr lang="zh-CN" altLang="en-US" smtClean="0"/>
               <a:t>‹#›</a:t>
             </a:fld>
@@ -1461,7 +1461,7 @@
     </p:spTree>
     <p:extLst>
       <p:ext uri="{BB962C8B-B14F-4D97-AF65-F5344CB8AC3E}">
-        <p14:creationId xmlns:p14="http://schemas.microsoft.com/office/powerpoint/2010/main" val="1404032894"/>
+        <p14:creationId xmlns:p14="http://schemas.microsoft.com/office/powerpoint/2010/main" val="1065286351"/>
       </p:ext>
     </p:extLst>
   </p:cSld>
@@ -1493,7 +1493,7 @@
           <p:cNvPr id="2" name="标题 1">
             <a:extLst>
               <a:ext uri="{FF2B5EF4-FFF2-40B4-BE49-F238E27FC236}">
-                <a16:creationId xmlns:a16="http://schemas.microsoft.com/office/drawing/2014/main" id="{12927B13-CAEC-315A-D492-EA68621D59A9}"/>
+                <a16:creationId xmlns:a16="http://schemas.microsoft.com/office/drawing/2014/main" id="{9E772166-23D8-A2A4-0E62-0872F367415F}"/>
               </a:ext>
             </a:extLst>
           </p:cNvPr>
@@ -1526,7 +1526,7 @@
           <p:cNvPr id="3" name="文本占位符 2">
             <a:extLst>
               <a:ext uri="{FF2B5EF4-FFF2-40B4-BE49-F238E27FC236}">
-                <a16:creationId xmlns:a16="http://schemas.microsoft.com/office/drawing/2014/main" id="{25084338-1D50-3D4B-48EA-14BCE001B833}"/>
+                <a16:creationId xmlns:a16="http://schemas.microsoft.com/office/drawing/2014/main" id="{35942A32-F7EA-B604-206B-B3A7C61BC7E0}"/>
               </a:ext>
             </a:extLst>
           </p:cNvPr>
@@ -1597,7 +1597,7 @@
           <p:cNvPr id="4" name="内容占位符 3">
             <a:extLst>
               <a:ext uri="{FF2B5EF4-FFF2-40B4-BE49-F238E27FC236}">
-                <a16:creationId xmlns:a16="http://schemas.microsoft.com/office/drawing/2014/main" id="{52EB0EE9-A454-B3B6-0655-ECA3BE6EFBAE}"/>
+                <a16:creationId xmlns:a16="http://schemas.microsoft.com/office/drawing/2014/main" id="{81F5CEF4-C2B6-D4A7-FDBB-75364FF9BAA8}"/>
               </a:ext>
             </a:extLst>
           </p:cNvPr>
@@ -1659,7 +1659,7 @@
           <p:cNvPr id="5" name="文本占位符 4">
             <a:extLst>
               <a:ext uri="{FF2B5EF4-FFF2-40B4-BE49-F238E27FC236}">
-                <a16:creationId xmlns:a16="http://schemas.microsoft.com/office/drawing/2014/main" id="{EBB4DF55-4AF2-B7A9-62E2-72267F92348C}"/>
+                <a16:creationId xmlns:a16="http://schemas.microsoft.com/office/drawing/2014/main" id="{A509EBD9-A8C4-0325-DF85-4C4530C4D4E5}"/>
               </a:ext>
             </a:extLst>
           </p:cNvPr>
@@ -1730,7 +1730,7 @@
           <p:cNvPr id="6" name="内容占位符 5">
             <a:extLst>
               <a:ext uri="{FF2B5EF4-FFF2-40B4-BE49-F238E27FC236}">
-                <a16:creationId xmlns:a16="http://schemas.microsoft.com/office/drawing/2014/main" id="{0B03182C-D19C-44AC-330D-D43D43DB6EA5}"/>
+                <a16:creationId xmlns:a16="http://schemas.microsoft.com/office/drawing/2014/main" id="{065F6EA9-CE9B-D114-24B4-ACBF5D0C85E1}"/>
               </a:ext>
             </a:extLst>
           </p:cNvPr>
@@ -1792,7 +1792,7 @@
           <p:cNvPr id="7" name="日期占位符 6">
             <a:extLst>
               <a:ext uri="{FF2B5EF4-FFF2-40B4-BE49-F238E27FC236}">
-                <a16:creationId xmlns:a16="http://schemas.microsoft.com/office/drawing/2014/main" id="{9A096D27-DC41-A535-344C-F029B25009C7}"/>
+                <a16:creationId xmlns:a16="http://schemas.microsoft.com/office/drawing/2014/main" id="{1D096B65-A4F9-364C-A4D1-C04EEE98624B}"/>
               </a:ext>
             </a:extLst>
           </p:cNvPr>
@@ -1808,7 +1808,7 @@
           <a:bodyPr/>
           <a:lstStyle/>
           <a:p>
-            <a:fld id="{AE184F3E-B7D2-43F8-B819-A847AEAAF955}" type="datetimeFigureOut">
+            <a:fld id="{24097BBA-EED5-42C4-9771-B4D92887612F}" type="datetimeFigureOut">
               <a:rPr lang="zh-CN" altLang="en-US" smtClean="0"/>
               <a:t>2024/3/10</a:t>
             </a:fld>
@@ -1821,7 +1821,7 @@
           <p:cNvPr id="8" name="页脚占位符 7">
             <a:extLst>
               <a:ext uri="{FF2B5EF4-FFF2-40B4-BE49-F238E27FC236}">
-                <a16:creationId xmlns:a16="http://schemas.microsoft.com/office/drawing/2014/main" id="{478FE1C7-D1BB-2F60-FB68-DA4632FD6386}"/>
+                <a16:creationId xmlns:a16="http://schemas.microsoft.com/office/drawing/2014/main" id="{93F68A75-B915-C51C-10DF-D6516E827C22}"/>
               </a:ext>
             </a:extLst>
           </p:cNvPr>
@@ -1846,7 +1846,7 @@
           <p:cNvPr id="9" name="灯片编号占位符 8">
             <a:extLst>
               <a:ext uri="{FF2B5EF4-FFF2-40B4-BE49-F238E27FC236}">
-                <a16:creationId xmlns:a16="http://schemas.microsoft.com/office/drawing/2014/main" id="{F96CEA66-9E31-A919-F0F3-079B26C00AB0}"/>
+                <a16:creationId xmlns:a16="http://schemas.microsoft.com/office/drawing/2014/main" id="{B0A07369-9371-21F7-DB32-4B8EA963D441}"/>
               </a:ext>
             </a:extLst>
           </p:cNvPr>
@@ -1862,7 +1862,7 @@
           <a:bodyPr/>
           <a:lstStyle/>
           <a:p>
-            <a:fld id="{205B525F-384F-4E9D-B8EB-CBD2D49169E2}" type="slidenum">
+            <a:fld id="{F316567B-BA34-4F8D-95A2-A5758BAFEE73}" type="slidenum">
               <a:rPr lang="zh-CN" altLang="en-US" smtClean="0"/>
               <a:t>‹#›</a:t>
             </a:fld>
@@ -1873,7 +1873,7 @@
     </p:spTree>
     <p:extLst>
       <p:ext uri="{BB962C8B-B14F-4D97-AF65-F5344CB8AC3E}">
-        <p14:creationId xmlns:p14="http://schemas.microsoft.com/office/powerpoint/2010/main" val="4034938178"/>
+        <p14:creationId xmlns:p14="http://schemas.microsoft.com/office/powerpoint/2010/main" val="3768855593"/>
       </p:ext>
     </p:extLst>
   </p:cSld>
@@ -1905,7 +1905,7 @@
           <p:cNvPr id="2" name="标题 1">
             <a:extLst>
               <a:ext uri="{FF2B5EF4-FFF2-40B4-BE49-F238E27FC236}">
-                <a16:creationId xmlns:a16="http://schemas.microsoft.com/office/drawing/2014/main" id="{7D13ECD6-2574-E782-2779-0B3A88FEF5C8}"/>
+                <a16:creationId xmlns:a16="http://schemas.microsoft.com/office/drawing/2014/main" id="{7C95D445-B260-4C37-B468-18D31EA3FFCC}"/>
               </a:ext>
             </a:extLst>
           </p:cNvPr>
@@ -1933,7 +1933,7 @@
           <p:cNvPr id="3" name="日期占位符 2">
             <a:extLst>
               <a:ext uri="{FF2B5EF4-FFF2-40B4-BE49-F238E27FC236}">
-                <a16:creationId xmlns:a16="http://schemas.microsoft.com/office/drawing/2014/main" id="{0ED3FF67-BDD7-39D2-9B76-E931804BA073}"/>
+                <a16:creationId xmlns:a16="http://schemas.microsoft.com/office/drawing/2014/main" id="{14EC8452-842D-E60A-5083-A523BF581458}"/>
               </a:ext>
             </a:extLst>
           </p:cNvPr>
@@ -1949,7 +1949,7 @@
           <a:bodyPr/>
           <a:lstStyle/>
           <a:p>
-            <a:fld id="{AE184F3E-B7D2-43F8-B819-A847AEAAF955}" type="datetimeFigureOut">
+            <a:fld id="{24097BBA-EED5-42C4-9771-B4D92887612F}" type="datetimeFigureOut">
               <a:rPr lang="zh-CN" altLang="en-US" smtClean="0"/>
               <a:t>2024/3/10</a:t>
             </a:fld>
@@ -1962,7 +1962,7 @@
           <p:cNvPr id="4" name="页脚占位符 3">
             <a:extLst>
               <a:ext uri="{FF2B5EF4-FFF2-40B4-BE49-F238E27FC236}">
-                <a16:creationId xmlns:a16="http://schemas.microsoft.com/office/drawing/2014/main" id="{7C37298E-7647-B73D-C4E3-FDD0B6526635}"/>
+                <a16:creationId xmlns:a16="http://schemas.microsoft.com/office/drawing/2014/main" id="{25EBF7D8-8C1B-E494-86D1-C6F2C8C2ECB2}"/>
               </a:ext>
             </a:extLst>
           </p:cNvPr>
@@ -1987,7 +1987,7 @@
           <p:cNvPr id="5" name="灯片编号占位符 4">
             <a:extLst>
               <a:ext uri="{FF2B5EF4-FFF2-40B4-BE49-F238E27FC236}">
-                <a16:creationId xmlns:a16="http://schemas.microsoft.com/office/drawing/2014/main" id="{6636A35C-25F4-DD86-B975-2F7A410F6F9F}"/>
+                <a16:creationId xmlns:a16="http://schemas.microsoft.com/office/drawing/2014/main" id="{79C0DB53-5788-388A-F9FB-7A7BB8956FDC}"/>
               </a:ext>
             </a:extLst>
           </p:cNvPr>
@@ -2003,7 +2003,7 @@
           <a:bodyPr/>
           <a:lstStyle/>
           <a:p>
-            <a:fld id="{205B525F-384F-4E9D-B8EB-CBD2D49169E2}" type="slidenum">
+            <a:fld id="{F316567B-BA34-4F8D-95A2-A5758BAFEE73}" type="slidenum">
               <a:rPr lang="zh-CN" altLang="en-US" smtClean="0"/>
               <a:t>‹#›</a:t>
             </a:fld>
@@ -2014,7 +2014,7 @@
     </p:spTree>
     <p:extLst>
       <p:ext uri="{BB962C8B-B14F-4D97-AF65-F5344CB8AC3E}">
-        <p14:creationId xmlns:p14="http://schemas.microsoft.com/office/powerpoint/2010/main" val="1073584937"/>
+        <p14:creationId xmlns:p14="http://schemas.microsoft.com/office/powerpoint/2010/main" val="3187250749"/>
       </p:ext>
     </p:extLst>
   </p:cSld>
@@ -2046,7 +2046,7 @@
           <p:cNvPr id="2" name="日期占位符 1">
             <a:extLst>
               <a:ext uri="{FF2B5EF4-FFF2-40B4-BE49-F238E27FC236}">
-                <a16:creationId xmlns:a16="http://schemas.microsoft.com/office/drawing/2014/main" id="{91EE292E-8D63-5368-4669-0BAF561D6F65}"/>
+                <a16:creationId xmlns:a16="http://schemas.microsoft.com/office/drawing/2014/main" id="{7A92ABEC-1193-1984-1DAB-B8C44B8372A3}"/>
               </a:ext>
             </a:extLst>
           </p:cNvPr>
@@ -2062,7 +2062,7 @@
           <a:bodyPr/>
           <a:lstStyle/>
           <a:p>
-            <a:fld id="{AE184F3E-B7D2-43F8-B819-A847AEAAF955}" type="datetimeFigureOut">
+            <a:fld id="{24097BBA-EED5-42C4-9771-B4D92887612F}" type="datetimeFigureOut">
               <a:rPr lang="zh-CN" altLang="en-US" smtClean="0"/>
               <a:t>2024/3/10</a:t>
             </a:fld>
@@ -2075,7 +2075,7 @@
           <p:cNvPr id="3" name="页脚占位符 2">
             <a:extLst>
               <a:ext uri="{FF2B5EF4-FFF2-40B4-BE49-F238E27FC236}">
-                <a16:creationId xmlns:a16="http://schemas.microsoft.com/office/drawing/2014/main" id="{EFFE390B-0B29-54FC-3055-13968ECD28BB}"/>
+                <a16:creationId xmlns:a16="http://schemas.microsoft.com/office/drawing/2014/main" id="{EDBC68EF-8ED8-37EC-3B7B-349C39000152}"/>
               </a:ext>
             </a:extLst>
           </p:cNvPr>
@@ -2100,7 +2100,7 @@
           <p:cNvPr id="4" name="灯片编号占位符 3">
             <a:extLst>
               <a:ext uri="{FF2B5EF4-FFF2-40B4-BE49-F238E27FC236}">
-                <a16:creationId xmlns:a16="http://schemas.microsoft.com/office/drawing/2014/main" id="{B3F70230-7B4F-AEB4-51C9-056A106B20F8}"/>
+                <a16:creationId xmlns:a16="http://schemas.microsoft.com/office/drawing/2014/main" id="{D4170DD8-1DBA-33D0-6D03-A6B150A1A58F}"/>
               </a:ext>
             </a:extLst>
           </p:cNvPr>
@@ -2116,7 +2116,7 @@
           <a:bodyPr/>
           <a:lstStyle/>
           <a:p>
-            <a:fld id="{205B525F-384F-4E9D-B8EB-CBD2D49169E2}" type="slidenum">
+            <a:fld id="{F316567B-BA34-4F8D-95A2-A5758BAFEE73}" type="slidenum">
               <a:rPr lang="zh-CN" altLang="en-US" smtClean="0"/>
               <a:t>‹#›</a:t>
             </a:fld>
@@ -2127,7 +2127,7 @@
     </p:spTree>
     <p:extLst>
       <p:ext uri="{BB962C8B-B14F-4D97-AF65-F5344CB8AC3E}">
-        <p14:creationId xmlns:p14="http://schemas.microsoft.com/office/powerpoint/2010/main" val="594052066"/>
+        <p14:creationId xmlns:p14="http://schemas.microsoft.com/office/powerpoint/2010/main" val="1686590021"/>
       </p:ext>
     </p:extLst>
   </p:cSld>
@@ -2159,7 +2159,7 @@
           <p:cNvPr id="2" name="标题 1">
             <a:extLst>
               <a:ext uri="{FF2B5EF4-FFF2-40B4-BE49-F238E27FC236}">
-                <a16:creationId xmlns:a16="http://schemas.microsoft.com/office/drawing/2014/main" id="{4068F4B7-701E-7856-4366-15CA3BCDDC8A}"/>
+                <a16:creationId xmlns:a16="http://schemas.microsoft.com/office/drawing/2014/main" id="{89D1CD4E-AE42-42FF-DD60-7193E74074E5}"/>
               </a:ext>
             </a:extLst>
           </p:cNvPr>
@@ -2196,7 +2196,7 @@
           <p:cNvPr id="3" name="内容占位符 2">
             <a:extLst>
               <a:ext uri="{FF2B5EF4-FFF2-40B4-BE49-F238E27FC236}">
-                <a16:creationId xmlns:a16="http://schemas.microsoft.com/office/drawing/2014/main" id="{F336CD55-C164-328D-B05D-7026EFFA305A}"/>
+                <a16:creationId xmlns:a16="http://schemas.microsoft.com/office/drawing/2014/main" id="{D02C3304-1F0A-C0C3-1638-73A85D4D86F0}"/>
               </a:ext>
             </a:extLst>
           </p:cNvPr>
@@ -2286,7 +2286,7 @@
           <p:cNvPr id="4" name="文本占位符 3">
             <a:extLst>
               <a:ext uri="{FF2B5EF4-FFF2-40B4-BE49-F238E27FC236}">
-                <a16:creationId xmlns:a16="http://schemas.microsoft.com/office/drawing/2014/main" id="{F18B6FBF-AEA8-9748-E78E-52240A4151EE}"/>
+                <a16:creationId xmlns:a16="http://schemas.microsoft.com/office/drawing/2014/main" id="{1805D204-B599-5186-D20F-8AE9C9EE1BC4}"/>
               </a:ext>
             </a:extLst>
           </p:cNvPr>
@@ -2357,7 +2357,7 @@
           <p:cNvPr id="5" name="日期占位符 4">
             <a:extLst>
               <a:ext uri="{FF2B5EF4-FFF2-40B4-BE49-F238E27FC236}">
-                <a16:creationId xmlns:a16="http://schemas.microsoft.com/office/drawing/2014/main" id="{213703FE-6220-C5D1-A065-1F5802DFD40B}"/>
+                <a16:creationId xmlns:a16="http://schemas.microsoft.com/office/drawing/2014/main" id="{C6C23FBF-9732-8C8A-14E9-471F0EECB8E7}"/>
               </a:ext>
             </a:extLst>
           </p:cNvPr>
@@ -2373,7 +2373,7 @@
           <a:bodyPr/>
           <a:lstStyle/>
           <a:p>
-            <a:fld id="{AE184F3E-B7D2-43F8-B819-A847AEAAF955}" type="datetimeFigureOut">
+            <a:fld id="{24097BBA-EED5-42C4-9771-B4D92887612F}" type="datetimeFigureOut">
               <a:rPr lang="zh-CN" altLang="en-US" smtClean="0"/>
               <a:t>2024/3/10</a:t>
             </a:fld>
@@ -2386,7 +2386,7 @@
           <p:cNvPr id="6" name="页脚占位符 5">
             <a:extLst>
               <a:ext uri="{FF2B5EF4-FFF2-40B4-BE49-F238E27FC236}">
-                <a16:creationId xmlns:a16="http://schemas.microsoft.com/office/drawing/2014/main" id="{2A4A5D3E-BE22-3E18-3025-FA32EF0B85BE}"/>
+                <a16:creationId xmlns:a16="http://schemas.microsoft.com/office/drawing/2014/main" id="{B9C60024-3558-94FC-E1CF-15011FC44F83}"/>
               </a:ext>
             </a:extLst>
           </p:cNvPr>
@@ -2411,7 +2411,7 @@
           <p:cNvPr id="7" name="灯片编号占位符 6">
             <a:extLst>
               <a:ext uri="{FF2B5EF4-FFF2-40B4-BE49-F238E27FC236}">
-                <a16:creationId xmlns:a16="http://schemas.microsoft.com/office/drawing/2014/main" id="{CD200B4A-08F1-01A1-4217-5792CEF0F98F}"/>
+                <a16:creationId xmlns:a16="http://schemas.microsoft.com/office/drawing/2014/main" id="{AC5E1541-AD57-3E07-11CD-BCB1FD3A0C66}"/>
               </a:ext>
             </a:extLst>
           </p:cNvPr>
@@ -2427,7 +2427,7 @@
           <a:bodyPr/>
           <a:lstStyle/>
           <a:p>
-            <a:fld id="{205B525F-384F-4E9D-B8EB-CBD2D49169E2}" type="slidenum">
+            <a:fld id="{F316567B-BA34-4F8D-95A2-A5758BAFEE73}" type="slidenum">
               <a:rPr lang="zh-CN" altLang="en-US" smtClean="0"/>
               <a:t>‹#›</a:t>
             </a:fld>
@@ -2438,7 +2438,7 @@
     </p:spTree>
     <p:extLst>
       <p:ext uri="{BB962C8B-B14F-4D97-AF65-F5344CB8AC3E}">
-        <p14:creationId xmlns:p14="http://schemas.microsoft.com/office/powerpoint/2010/main" val="3946638855"/>
+        <p14:creationId xmlns:p14="http://schemas.microsoft.com/office/powerpoint/2010/main" val="3418196388"/>
       </p:ext>
     </p:extLst>
   </p:cSld>
@@ -2470,7 +2470,7 @@
           <p:cNvPr id="2" name="标题 1">
             <a:extLst>
               <a:ext uri="{FF2B5EF4-FFF2-40B4-BE49-F238E27FC236}">
-                <a16:creationId xmlns:a16="http://schemas.microsoft.com/office/drawing/2014/main" id="{89F7A410-DB91-8607-D349-DFC9B5036E38}"/>
+                <a16:creationId xmlns:a16="http://schemas.microsoft.com/office/drawing/2014/main" id="{85EA85D8-E265-3581-A0C3-6DF295E3528D}"/>
               </a:ext>
             </a:extLst>
           </p:cNvPr>
@@ -2507,7 +2507,7 @@
           <p:cNvPr id="3" name="图片占位符 2">
             <a:extLst>
               <a:ext uri="{FF2B5EF4-FFF2-40B4-BE49-F238E27FC236}">
-                <a16:creationId xmlns:a16="http://schemas.microsoft.com/office/drawing/2014/main" id="{7281ABC4-1CD9-9890-74D4-48134A6F3208}"/>
+                <a16:creationId xmlns:a16="http://schemas.microsoft.com/office/drawing/2014/main" id="{2F310A6B-A361-149E-2C27-4B98D2F4378A}"/>
               </a:ext>
             </a:extLst>
           </p:cNvPr>
@@ -2574,7 +2574,7 @@
           <p:cNvPr id="4" name="文本占位符 3">
             <a:extLst>
               <a:ext uri="{FF2B5EF4-FFF2-40B4-BE49-F238E27FC236}">
-                <a16:creationId xmlns:a16="http://schemas.microsoft.com/office/drawing/2014/main" id="{D06A8E47-DFEA-6EE6-DAEF-C887EC3D543A}"/>
+                <a16:creationId xmlns:a16="http://schemas.microsoft.com/office/drawing/2014/main" id="{3DC01F90-5BFE-E58E-B88E-013663DCA508}"/>
               </a:ext>
             </a:extLst>
           </p:cNvPr>
@@ -2645,7 +2645,7 @@
           <p:cNvPr id="5" name="日期占位符 4">
             <a:extLst>
               <a:ext uri="{FF2B5EF4-FFF2-40B4-BE49-F238E27FC236}">
-                <a16:creationId xmlns:a16="http://schemas.microsoft.com/office/drawing/2014/main" id="{0CCC55D7-6E46-B3A6-9CD2-D96EF0BC1DCA}"/>
+                <a16:creationId xmlns:a16="http://schemas.microsoft.com/office/drawing/2014/main" id="{FBEB13E8-38DD-E4DE-A216-E843F78175D8}"/>
               </a:ext>
             </a:extLst>
           </p:cNvPr>
@@ -2661,7 +2661,7 @@
           <a:bodyPr/>
           <a:lstStyle/>
           <a:p>
-            <a:fld id="{AE184F3E-B7D2-43F8-B819-A847AEAAF955}" type="datetimeFigureOut">
+            <a:fld id="{24097BBA-EED5-42C4-9771-B4D92887612F}" type="datetimeFigureOut">
               <a:rPr lang="zh-CN" altLang="en-US" smtClean="0"/>
               <a:t>2024/3/10</a:t>
             </a:fld>
@@ -2674,7 +2674,7 @@
           <p:cNvPr id="6" name="页脚占位符 5">
             <a:extLst>
               <a:ext uri="{FF2B5EF4-FFF2-40B4-BE49-F238E27FC236}">
-                <a16:creationId xmlns:a16="http://schemas.microsoft.com/office/drawing/2014/main" id="{566E077E-CC2C-DECD-E398-69AC6BB97C90}"/>
+                <a16:creationId xmlns:a16="http://schemas.microsoft.com/office/drawing/2014/main" id="{99D730B0-D553-8D4C-EF18-5932A74ABBB5}"/>
               </a:ext>
             </a:extLst>
           </p:cNvPr>
@@ -2699,7 +2699,7 @@
           <p:cNvPr id="7" name="灯片编号占位符 6">
             <a:extLst>
               <a:ext uri="{FF2B5EF4-FFF2-40B4-BE49-F238E27FC236}">
-                <a16:creationId xmlns:a16="http://schemas.microsoft.com/office/drawing/2014/main" id="{FD61ECD1-6671-7611-FB3B-75FA9BC181BC}"/>
+                <a16:creationId xmlns:a16="http://schemas.microsoft.com/office/drawing/2014/main" id="{13222192-E171-2B2F-2EF9-F4DD2477B8B9}"/>
               </a:ext>
             </a:extLst>
           </p:cNvPr>
@@ -2715,7 +2715,7 @@
           <a:bodyPr/>
           <a:lstStyle/>
           <a:p>
-            <a:fld id="{205B525F-384F-4E9D-B8EB-CBD2D49169E2}" type="slidenum">
+            <a:fld id="{F316567B-BA34-4F8D-95A2-A5758BAFEE73}" type="slidenum">
               <a:rPr lang="zh-CN" altLang="en-US" smtClean="0"/>
               <a:t>‹#›</a:t>
             </a:fld>
@@ -2726,7 +2726,7 @@
     </p:spTree>
     <p:extLst>
       <p:ext uri="{BB962C8B-B14F-4D97-AF65-F5344CB8AC3E}">
-        <p14:creationId xmlns:p14="http://schemas.microsoft.com/office/powerpoint/2010/main" val="3730636923"/>
+        <p14:creationId xmlns:p14="http://schemas.microsoft.com/office/powerpoint/2010/main" val="3160371200"/>
       </p:ext>
     </p:extLst>
   </p:cSld>
@@ -2763,7 +2763,7 @@
           <p:cNvPr id="2" name="标题占位符 1">
             <a:extLst>
               <a:ext uri="{FF2B5EF4-FFF2-40B4-BE49-F238E27FC236}">
-                <a16:creationId xmlns:a16="http://schemas.microsoft.com/office/drawing/2014/main" id="{2AC82EE2-79B8-7A1A-8EA7-166A4BB3A00B}"/>
+                <a16:creationId xmlns:a16="http://schemas.microsoft.com/office/drawing/2014/main" id="{CF437714-2DB0-5F81-E4B2-D3E586D33E2F}"/>
               </a:ext>
             </a:extLst>
           </p:cNvPr>
@@ -2801,7 +2801,7 @@
           <p:cNvPr id="3" name="文本占位符 2">
             <a:extLst>
               <a:ext uri="{FF2B5EF4-FFF2-40B4-BE49-F238E27FC236}">
-                <a16:creationId xmlns:a16="http://schemas.microsoft.com/office/drawing/2014/main" id="{03B492DE-315B-B62B-3A05-AD06725E76BB}"/>
+                <a16:creationId xmlns:a16="http://schemas.microsoft.com/office/drawing/2014/main" id="{DE244B3D-7F13-C3F8-B9D3-C6F9B55D8B2C}"/>
               </a:ext>
             </a:extLst>
           </p:cNvPr>
@@ -2868,7 +2868,7 @@
           <p:cNvPr id="4" name="日期占位符 3">
             <a:extLst>
               <a:ext uri="{FF2B5EF4-FFF2-40B4-BE49-F238E27FC236}">
-                <a16:creationId xmlns:a16="http://schemas.microsoft.com/office/drawing/2014/main" id="{5A4E1003-A9DE-FB7F-9636-AFCECDD2F1AD}"/>
+                <a16:creationId xmlns:a16="http://schemas.microsoft.com/office/drawing/2014/main" id="{742C3E04-40C7-9DAF-90A9-8D16FD1C47F0}"/>
               </a:ext>
             </a:extLst>
           </p:cNvPr>
@@ -2902,7 +2902,7 @@
             </a:lvl1pPr>
           </a:lstStyle>
           <a:p>
-            <a:fld id="{AE184F3E-B7D2-43F8-B819-A847AEAAF955}" type="datetimeFigureOut">
+            <a:fld id="{24097BBA-EED5-42C4-9771-B4D92887612F}" type="datetimeFigureOut">
               <a:rPr lang="zh-CN" altLang="en-US" smtClean="0"/>
               <a:t>2024/3/10</a:t>
             </a:fld>
@@ -2915,7 +2915,7 @@
           <p:cNvPr id="5" name="页脚占位符 4">
             <a:extLst>
               <a:ext uri="{FF2B5EF4-FFF2-40B4-BE49-F238E27FC236}">
-                <a16:creationId xmlns:a16="http://schemas.microsoft.com/office/drawing/2014/main" id="{FE238B5F-4E37-6757-DD55-C4B61802D767}"/>
+                <a16:creationId xmlns:a16="http://schemas.microsoft.com/office/drawing/2014/main" id="{3E6C4A4D-AAA9-4392-2B6B-F90C56ECCBE6}"/>
               </a:ext>
             </a:extLst>
           </p:cNvPr>
@@ -2958,7 +2958,7 @@
           <p:cNvPr id="6" name="灯片编号占位符 5">
             <a:extLst>
               <a:ext uri="{FF2B5EF4-FFF2-40B4-BE49-F238E27FC236}">
-                <a16:creationId xmlns:a16="http://schemas.microsoft.com/office/drawing/2014/main" id="{CB444FAE-48F1-4BA4-1CCA-27DF5643AA68}"/>
+                <a16:creationId xmlns:a16="http://schemas.microsoft.com/office/drawing/2014/main" id="{326BB2C8-00D5-978A-3623-50CB93FB448E}"/>
               </a:ext>
             </a:extLst>
           </p:cNvPr>
@@ -2992,7 +2992,7 @@
             </a:lvl1pPr>
           </a:lstStyle>
           <a:p>
-            <a:fld id="{205B525F-384F-4E9D-B8EB-CBD2D49169E2}" type="slidenum">
+            <a:fld id="{F316567B-BA34-4F8D-95A2-A5758BAFEE73}" type="slidenum">
               <a:rPr lang="zh-CN" altLang="en-US" smtClean="0"/>
               <a:t>‹#›</a:t>
             </a:fld>
@@ -3003,7 +3003,7 @@
     </p:spTree>
     <p:extLst>
       <p:ext uri="{BB962C8B-B14F-4D97-AF65-F5344CB8AC3E}">
-        <p14:creationId xmlns:p14="http://schemas.microsoft.com/office/powerpoint/2010/main" val="4037198039"/>
+        <p14:creationId xmlns:p14="http://schemas.microsoft.com/office/powerpoint/2010/main" val="2904471040"/>
       </p:ext>
     </p:extLst>
   </p:cSld>
